--- a/slides.pptx
+++ b/slides.pptx
@@ -31,13 +31,13 @@
       <p:boldItalic r:id="rId14"/>
     </p:embeddedFont>
     <p:embeddedFont>
-      <p:font typeface="Roboto Black" panose="02000000000000000000" pitchFamily="2" charset="0"/>
+      <p:font typeface="Roboto Black" panose="020F0502020204030204" pitchFamily="34" charset="0"/>
       <p:bold r:id="rId15"/>
       <p:italic r:id="rId16"/>
       <p:boldItalic r:id="rId17"/>
     </p:embeddedFont>
     <p:embeddedFont>
-      <p:font typeface="Roboto Light" panose="02000000000000000000" pitchFamily="2" charset="0"/>
+      <p:font typeface="Roboto Light" panose="020F0302020204030204" pitchFamily="34" charset="0"/>
       <p:regular r:id="rId18"/>
       <p:bold r:id="rId19"/>
       <p:italic r:id="rId20"/>
@@ -6987,10 +6987,10 @@
       </p:sp>
       <p:pic>
         <p:nvPicPr>
-          <p:cNvPr id="10" name="Picture 9" descr="Diagram&#10;&#10;Description automatically generated">
+          <p:cNvPr id="3" name="Picture 2" descr="Diagram&#10;&#10;Description automatically generated">
             <a:extLst>
               <a:ext uri="{FF2B5EF4-FFF2-40B4-BE49-F238E27FC236}">
-                <a16:creationId xmlns:a16="http://schemas.microsoft.com/office/drawing/2014/main" id="{F10ED43B-BD45-9E44-8462-64C2481CEB04}"/>
+                <a16:creationId xmlns:a16="http://schemas.microsoft.com/office/drawing/2014/main" id="{665CAD3E-86CD-D549-9226-BC04A8A9F393}"/>
               </a:ext>
             </a:extLst>
           </p:cNvPr>
@@ -7007,38 +7007,8 @@
         </p:blipFill>
         <p:spPr>
           <a:xfrm>
-            <a:off x="717638" y="754359"/>
-            <a:ext cx="8849702" cy="5203625"/>
-          </a:xfrm>
-          <a:prstGeom prst="rect">
-            <a:avLst/>
-          </a:prstGeom>
-        </p:spPr>
-      </p:pic>
-      <p:pic>
-        <p:nvPicPr>
-          <p:cNvPr id="12" name="Picture 11" descr="A picture containing chart&#10;&#10;Description automatically generated">
-            <a:extLst>
-              <a:ext uri="{FF2B5EF4-FFF2-40B4-BE49-F238E27FC236}">
-                <a16:creationId xmlns:a16="http://schemas.microsoft.com/office/drawing/2014/main" id="{6BA900D6-272F-6C4E-AB71-E35C2EB2603A}"/>
-              </a:ext>
-            </a:extLst>
-          </p:cNvPr>
-          <p:cNvPicPr>
-            <a:picLocks noChangeAspect="1"/>
-          </p:cNvPicPr>
-          <p:nvPr/>
-        </p:nvPicPr>
-        <p:blipFill>
-          <a:blip r:embed="rId4"/>
-          <a:stretch>
-            <a:fillRect/>
-          </a:stretch>
-        </p:blipFill>
-        <p:spPr>
-          <a:xfrm>
-            <a:off x="9233012" y="1184302"/>
-            <a:ext cx="2396794" cy="1623634"/>
+            <a:off x="301006" y="1683144"/>
+            <a:ext cx="11589987" cy="2929316"/>
           </a:xfrm>
           <a:prstGeom prst="rect">
             <a:avLst/>
